--- a/PresentationPPT.pptx
+++ b/PresentationPPT.pptx
@@ -10976,7 +10976,7 @@
             <p:ph idx="1"/>
           </p:nvPr>
         </p:nvPicPr>
-        <p:blipFill>
+        <p:blipFill rotWithShape="1">
           <a:blip r:embed="rId2">
             <a:extLst>
               <a:ext uri="{28A0092B-C50C-407E-A947-70E740481C1C}">
@@ -10984,14 +10984,13 @@
               </a:ext>
             </a:extLst>
           </a:blip>
-          <a:stretch>
-            <a:fillRect/>
-          </a:stretch>
+          <a:srcRect t="12156" b="5944"/>
+          <a:stretch/>
         </p:blipFill>
         <p:spPr>
           <a:xfrm>
-            <a:off x="1761649" y="1129554"/>
-            <a:ext cx="8973172" cy="5047409"/>
+            <a:off x="1761649" y="1743075"/>
+            <a:ext cx="8973172" cy="4133850"/>
           </a:xfrm>
         </p:spPr>
       </p:pic>
@@ -11075,7 +11074,7 @@
           </p:cNvPicPr>
           <p:nvPr/>
         </p:nvPicPr>
-        <p:blipFill>
+        <p:blipFill rotWithShape="1">
           <a:blip r:embed="rId2">
             <a:extLst>
               <a:ext uri="{28A0092B-C50C-407E-A947-70E740481C1C}">
@@ -11083,14 +11082,13 @@
               </a:ext>
             </a:extLst>
           </a:blip>
-          <a:stretch>
-            <a:fillRect/>
-          </a:stretch>
+          <a:srcRect t="11632" b="5382"/>
+          <a:stretch/>
         </p:blipFill>
         <p:spPr>
           <a:xfrm>
-            <a:off x="762000" y="485774"/>
-            <a:ext cx="10497150" cy="5486401"/>
+            <a:off x="762000" y="1123951"/>
+            <a:ext cx="10497150" cy="4552950"/>
           </a:xfrm>
           <a:prstGeom prst="rect">
             <a:avLst/>
@@ -11177,7 +11175,7 @@
           </p:cNvPicPr>
           <p:nvPr/>
         </p:nvPicPr>
-        <p:blipFill>
+        <p:blipFill rotWithShape="1">
           <a:blip r:embed="rId2">
             <a:extLst>
               <a:ext uri="{28A0092B-C50C-407E-A947-70E740481C1C}">
@@ -11185,14 +11183,13 @@
               </a:ext>
             </a:extLst>
           </a:blip>
-          <a:stretch>
-            <a:fillRect/>
-          </a:stretch>
+          <a:srcRect t="12063" b="7903"/>
+          <a:stretch/>
         </p:blipFill>
         <p:spPr>
           <a:xfrm>
-            <a:off x="904875" y="566737"/>
-            <a:ext cx="10176933" cy="5724525"/>
+            <a:off x="904875" y="1257300"/>
+            <a:ext cx="10176933" cy="4581526"/>
           </a:xfrm>
           <a:prstGeom prst="rect">
             <a:avLst/>
@@ -11228,12 +11225,12 @@
           <a:lstStyle/>
           <a:p>
             <a:r>
-              <a:rPr lang="en-US" dirty="0" err="1"/>
-              <a:t>Ploting</a:t>
+              <a:rPr lang="en-US"/>
+              <a:t>Plotting </a:t>
             </a:r>
             <a:r>
               <a:rPr lang="en-US" dirty="0"/>
-              <a:t> crime rate for given city </a:t>
+              <a:t>crime rate for given city </a:t>
             </a:r>
             <a:endParaRPr lang="en-ID" dirty="0"/>
           </a:p>
